--- a/Trabalho 2 – Microserviço de Cálculo de Frete.pptx
+++ b/Trabalho 2 – Microserviço de Cálculo de Frete.pptx
@@ -9505,8 +9505,8 @@
         </p:nvSpPr>
         <p:spPr>
           <a:xfrm>
-            <a:off x="457200" y="1200150"/>
-            <a:ext cx="8229600" cy="3394472"/>
+            <a:off x="457200" y="1346925"/>
+            <a:ext cx="8229600" cy="3394500"/>
           </a:xfrm>
           <a:prstGeom prst="rect">
             <a:avLst/>
@@ -9522,7 +9522,7 @@
           </a:bodyPr>
           <a:lstStyle/>
           <a:p>
-            <a:pPr indent="-304800" lvl="0" marL="342900" rtl="0" algn="l">
+            <a:pPr indent="-254000" lvl="0" marL="342900" rtl="0" algn="l">
               <a:spcBef>
                 <a:spcPts val="0"/>
               </a:spcBef>
@@ -9532,11 +9532,11 @@
               <a:buClr>
                 <a:schemeClr val="dk1"/>
               </a:buClr>
-              <a:buSzPts val="2600"/>
+              <a:buSzPts val="1800"/>
               <a:buChar char="●"/>
             </a:pPr>
             <a:r>
-              <a:rPr lang="pt-BR" sz="2600">
+              <a:rPr lang="pt-BR" sz="1800">
                 <a:solidFill>
                   <a:schemeClr val="dk1"/>
                 </a:solidFill>
@@ -9547,10 +9547,10 @@
               </a:rPr>
               <a:t>Endpoint: /api/freight/calculate</a:t>
             </a:r>
-            <a:endParaRPr sz="2600"/>
+            <a:endParaRPr sz="1800"/>
           </a:p>
           <a:p>
-            <a:pPr indent="-304800" lvl="0" marL="342900" rtl="0" algn="l">
+            <a:pPr indent="-254000" lvl="0" marL="342900" rtl="0" algn="l">
               <a:spcBef>
                 <a:spcPts val="640"/>
               </a:spcBef>
@@ -9560,11 +9560,11 @@
               <a:buClr>
                 <a:schemeClr val="dk1"/>
               </a:buClr>
-              <a:buSzPts val="2600"/>
+              <a:buSzPts val="1800"/>
               <a:buChar char="●"/>
             </a:pPr>
             <a:r>
-              <a:rPr lang="pt-BR" sz="2600">
+              <a:rPr lang="pt-BR" sz="1800">
                 <a:solidFill>
                   <a:schemeClr val="dk1"/>
                 </a:solidFill>
@@ -9575,10 +9575,10 @@
               </a:rPr>
               <a:t>Método: POST</a:t>
             </a:r>
-            <a:endParaRPr sz="2600"/>
+            <a:endParaRPr sz="1800"/>
           </a:p>
           <a:p>
-            <a:pPr indent="-304800" lvl="0" marL="342900" rtl="0" algn="l">
+            <a:pPr indent="-254000" lvl="0" marL="342900" rtl="0" algn="l">
               <a:spcBef>
                 <a:spcPts val="640"/>
               </a:spcBef>
@@ -9588,11 +9588,11 @@
               <a:buClr>
                 <a:schemeClr val="dk1"/>
               </a:buClr>
-              <a:buSzPts val="2600"/>
+              <a:buSzPts val="1800"/>
               <a:buChar char="●"/>
             </a:pPr>
             <a:r>
-              <a:rPr lang="pt-BR" sz="2600">
+              <a:rPr lang="pt-BR" sz="1800">
                 <a:solidFill>
                   <a:schemeClr val="dk1"/>
                 </a:solidFill>
@@ -9603,10 +9603,10 @@
               </a:rPr>
               <a:t>Formato de dados: JSON</a:t>
             </a:r>
-            <a:endParaRPr sz="2600"/>
+            <a:endParaRPr sz="1800"/>
           </a:p>
           <a:p>
-            <a:pPr indent="-304800" lvl="0" marL="342900" rtl="0" algn="l">
+            <a:pPr indent="-254000" lvl="0" marL="342900" rtl="0" algn="l">
               <a:spcBef>
                 <a:spcPts val="640"/>
               </a:spcBef>
@@ -9616,11 +9616,11 @@
               <a:buClr>
                 <a:schemeClr val="dk1"/>
               </a:buClr>
-              <a:buSzPts val="2600"/>
+              <a:buSzPts val="1800"/>
               <a:buChar char="●"/>
             </a:pPr>
             <a:r>
-              <a:rPr lang="pt-BR" sz="2600">
+              <a:rPr lang="pt-BR" sz="1800">
                 <a:solidFill>
                   <a:schemeClr val="dk1"/>
                 </a:solidFill>
@@ -9631,7 +9631,7 @@
               </a:rPr>
               <a:t>Uso de DTOs e validações</a:t>
             </a:r>
-            <a:endParaRPr sz="2600"/>
+            <a:endParaRPr sz="1800"/>
           </a:p>
         </p:txBody>
       </p:sp>
@@ -11758,8 +11758,8 @@
         </p:nvSpPr>
         <p:spPr>
           <a:xfrm>
-            <a:off x="457200" y="1200150"/>
-            <a:ext cx="8229600" cy="3394472"/>
+            <a:off x="457200" y="1350325"/>
+            <a:ext cx="8229600" cy="3244200"/>
           </a:xfrm>
           <a:prstGeom prst="rect">
             <a:avLst/>
@@ -11775,7 +11775,7 @@
           </a:bodyPr>
           <a:lstStyle/>
           <a:p>
-            <a:pPr indent="-304800" lvl="0" marL="342900" rtl="0" algn="l">
+            <a:pPr indent="-254000" lvl="0" marL="342900" rtl="0" algn="l">
               <a:spcBef>
                 <a:spcPts val="0"/>
               </a:spcBef>
@@ -11785,11 +11785,11 @@
               <a:buClr>
                 <a:schemeClr val="dk1"/>
               </a:buClr>
-              <a:buSzPts val="2600"/>
+              <a:buSzPts val="1800"/>
               <a:buChar char="●"/>
             </a:pPr>
             <a:r>
-              <a:rPr lang="pt-BR" sz="2600">
+              <a:rPr lang="pt-BR" sz="1800">
                 <a:solidFill>
                   <a:schemeClr val="dk1"/>
                 </a:solidFill>
@@ -11800,10 +11800,10 @@
               </a:rPr>
               <a:t>Java 17</a:t>
             </a:r>
-            <a:endParaRPr sz="2600"/>
+            <a:endParaRPr sz="1800"/>
           </a:p>
           <a:p>
-            <a:pPr indent="-304800" lvl="0" marL="342900" rtl="0" algn="l">
+            <a:pPr indent="-254000" lvl="0" marL="342900" rtl="0" algn="l">
               <a:spcBef>
                 <a:spcPts val="640"/>
               </a:spcBef>
@@ -11813,11 +11813,11 @@
               <a:buClr>
                 <a:schemeClr val="dk1"/>
               </a:buClr>
-              <a:buSzPts val="2600"/>
+              <a:buSzPts val="1800"/>
               <a:buChar char="●"/>
             </a:pPr>
             <a:r>
-              <a:rPr lang="pt-BR" sz="2600">
+              <a:rPr lang="pt-BR" sz="1800">
                 <a:solidFill>
                   <a:schemeClr val="dk1"/>
                 </a:solidFill>
@@ -11828,10 +11828,10 @@
               </a:rPr>
               <a:t>Spring Boot e Spring Web</a:t>
             </a:r>
-            <a:endParaRPr sz="2600"/>
+            <a:endParaRPr sz="1800"/>
           </a:p>
           <a:p>
-            <a:pPr indent="-304800" lvl="0" marL="342900" rtl="0" algn="l">
+            <a:pPr indent="-254000" lvl="0" marL="342900" rtl="0" algn="l">
               <a:spcBef>
                 <a:spcPts val="640"/>
               </a:spcBef>
@@ -11841,11 +11841,11 @@
               <a:buClr>
                 <a:schemeClr val="dk1"/>
               </a:buClr>
-              <a:buSzPts val="2600"/>
+              <a:buSzPts val="1800"/>
               <a:buChar char="●"/>
             </a:pPr>
             <a:r>
-              <a:rPr lang="pt-BR" sz="2600">
+              <a:rPr lang="pt-BR" sz="1800">
                 <a:solidFill>
                   <a:schemeClr val="dk1"/>
                 </a:solidFill>
@@ -11856,10 +11856,10 @@
               </a:rPr>
               <a:t>Spring Validation</a:t>
             </a:r>
-            <a:endParaRPr sz="2600"/>
+            <a:endParaRPr sz="1800"/>
           </a:p>
           <a:p>
-            <a:pPr indent="-304800" lvl="0" marL="342900" rtl="0" algn="l">
+            <a:pPr indent="-254000" lvl="0" marL="342900" rtl="0" algn="l">
               <a:spcBef>
                 <a:spcPts val="640"/>
               </a:spcBef>
@@ -11869,11 +11869,11 @@
               <a:buClr>
                 <a:schemeClr val="dk1"/>
               </a:buClr>
-              <a:buSzPts val="2600"/>
+              <a:buSzPts val="1800"/>
               <a:buChar char="●"/>
             </a:pPr>
             <a:r>
-              <a:rPr lang="pt-BR" sz="2600">
+              <a:rPr lang="pt-BR" sz="1800">
                 <a:solidFill>
                   <a:schemeClr val="dk1"/>
                 </a:solidFill>
@@ -11884,10 +11884,10 @@
               </a:rPr>
               <a:t>Resilience4j e Micrometer</a:t>
             </a:r>
-            <a:endParaRPr sz="2600"/>
+            <a:endParaRPr sz="1800"/>
           </a:p>
           <a:p>
-            <a:pPr indent="-304800" lvl="0" marL="342900" rtl="0" algn="l">
+            <a:pPr indent="-254000" lvl="0" marL="342900" rtl="0" algn="l">
               <a:spcBef>
                 <a:spcPts val="640"/>
               </a:spcBef>
@@ -11897,11 +11897,11 @@
               <a:buClr>
                 <a:schemeClr val="dk1"/>
               </a:buClr>
-              <a:buSzPts val="2600"/>
+              <a:buSzPts val="1800"/>
               <a:buChar char="●"/>
             </a:pPr>
             <a:r>
-              <a:rPr lang="pt-BR" sz="2600">
+              <a:rPr lang="pt-BR" sz="1800">
                 <a:solidFill>
                   <a:schemeClr val="dk1"/>
                 </a:solidFill>
@@ -11912,7 +11912,7 @@
               </a:rPr>
               <a:t>Maven e Lombok</a:t>
             </a:r>
-            <a:endParaRPr sz="2600"/>
+            <a:endParaRPr sz="1800"/>
           </a:p>
         </p:txBody>
       </p:sp>
@@ -12005,8 +12005,8 @@
         </p:nvSpPr>
         <p:spPr>
           <a:xfrm>
-            <a:off x="457200" y="1200150"/>
-            <a:ext cx="8229600" cy="3394472"/>
+            <a:off x="457200" y="1261000"/>
+            <a:ext cx="8229600" cy="3333600"/>
           </a:xfrm>
           <a:prstGeom prst="rect">
             <a:avLst/>
@@ -12022,7 +12022,7 @@
           </a:bodyPr>
           <a:lstStyle/>
           <a:p>
-            <a:pPr indent="-304800" lvl="0" marL="342900" rtl="0" algn="l">
+            <a:pPr indent="-254000" lvl="0" marL="342900" rtl="0" algn="l">
               <a:spcBef>
                 <a:spcPts val="0"/>
               </a:spcBef>
@@ -12032,11 +12032,11 @@
               <a:buClr>
                 <a:schemeClr val="dk1"/>
               </a:buClr>
-              <a:buSzPts val="2600"/>
+              <a:buSzPts val="1800"/>
               <a:buChar char="●"/>
             </a:pPr>
             <a:r>
-              <a:rPr lang="pt-BR" sz="2600">
+              <a:rPr lang="pt-BR" sz="1800">
                 <a:solidFill>
                   <a:schemeClr val="dk1"/>
                 </a:solidFill>
@@ -12047,10 +12047,10 @@
               </a:rPr>
               <a:t>Strategy: cálculo por transportadora</a:t>
             </a:r>
-            <a:endParaRPr sz="2600"/>
+            <a:endParaRPr sz="1800"/>
           </a:p>
           <a:p>
-            <a:pPr indent="-304800" lvl="0" marL="342900" rtl="0" algn="l">
+            <a:pPr indent="-254000" lvl="0" marL="342900" rtl="0" algn="l">
               <a:spcBef>
                 <a:spcPts val="640"/>
               </a:spcBef>
@@ -12060,11 +12060,11 @@
               <a:buClr>
                 <a:schemeClr val="dk1"/>
               </a:buClr>
-              <a:buSzPts val="2600"/>
+              <a:buSzPts val="1800"/>
               <a:buChar char="●"/>
             </a:pPr>
             <a:r>
-              <a:rPr lang="pt-BR" sz="2600">
+              <a:rPr lang="pt-BR" sz="1800">
                 <a:solidFill>
                   <a:schemeClr val="dk1"/>
                 </a:solidFill>
@@ -12075,10 +12075,10 @@
               </a:rPr>
               <a:t>Factory: seleção dinâmica da estratégia</a:t>
             </a:r>
-            <a:endParaRPr sz="2600"/>
+            <a:endParaRPr sz="1800"/>
           </a:p>
           <a:p>
-            <a:pPr indent="-304800" lvl="0" marL="342900" rtl="0" algn="l">
+            <a:pPr indent="-254000" lvl="0" marL="342900" rtl="0" algn="l">
               <a:spcBef>
                 <a:spcPts val="640"/>
               </a:spcBef>
@@ -12088,11 +12088,11 @@
               <a:buClr>
                 <a:schemeClr val="dk1"/>
               </a:buClr>
-              <a:buSzPts val="2600"/>
+              <a:buSzPts val="1800"/>
               <a:buChar char="●"/>
             </a:pPr>
             <a:r>
-              <a:rPr lang="pt-BR" sz="2600">
+              <a:rPr lang="pt-BR" sz="1800">
                 <a:solidFill>
                   <a:schemeClr val="dk1"/>
                 </a:solidFill>
@@ -12103,10 +12103,10 @@
               </a:rPr>
               <a:t>Decorator: serviços adicionais</a:t>
             </a:r>
-            <a:endParaRPr sz="2600"/>
+            <a:endParaRPr sz="1800"/>
           </a:p>
           <a:p>
-            <a:pPr indent="-304800" lvl="0" marL="342900" rtl="0" algn="l">
+            <a:pPr indent="-254000" lvl="0" marL="342900" rtl="0" algn="l">
               <a:spcBef>
                 <a:spcPts val="640"/>
               </a:spcBef>
@@ -12116,11 +12116,11 @@
               <a:buClr>
                 <a:schemeClr val="dk1"/>
               </a:buClr>
-              <a:buSzPts val="2600"/>
+              <a:buSzPts val="1800"/>
               <a:buChar char="●"/>
             </a:pPr>
             <a:r>
-              <a:rPr lang="pt-BR" sz="2600">
+              <a:rPr lang="pt-BR" sz="1800">
                 <a:solidFill>
                   <a:schemeClr val="dk1"/>
                 </a:solidFill>
@@ -12131,7 +12131,7 @@
               </a:rPr>
               <a:t>Adapter: integração com sistemas legados</a:t>
             </a:r>
-            <a:endParaRPr sz="2600"/>
+            <a:endParaRPr sz="1800"/>
           </a:p>
         </p:txBody>
       </p:sp>
@@ -12231,8 +12231,8 @@
         </p:nvSpPr>
         <p:spPr>
           <a:xfrm>
-            <a:off x="457200" y="1200150"/>
-            <a:ext cx="8229600" cy="3394472"/>
+            <a:off x="457200" y="1280125"/>
+            <a:ext cx="8229600" cy="3314400"/>
           </a:xfrm>
           <a:prstGeom prst="rect">
             <a:avLst/>
@@ -12248,7 +12248,7 @@
           </a:bodyPr>
           <a:lstStyle/>
           <a:p>
-            <a:pPr indent="-311150" lvl="0" marL="342900" rtl="0" algn="l">
+            <a:pPr indent="-254000" lvl="0" marL="342900" rtl="0" algn="l">
               <a:spcBef>
                 <a:spcPts val="0"/>
               </a:spcBef>
@@ -12258,11 +12258,11 @@
               <a:buClr>
                 <a:schemeClr val="dk1"/>
               </a:buClr>
-              <a:buSzPts val="2700"/>
+              <a:buSzPts val="1800"/>
               <a:buChar char="●"/>
             </a:pPr>
             <a:r>
-              <a:rPr lang="pt-BR" sz="2700">
+              <a:rPr lang="pt-BR" sz="1800">
                 <a:solidFill>
                   <a:schemeClr val="dk1"/>
                 </a:solidFill>
@@ -12273,10 +12273,10 @@
               </a:rPr>
               <a:t>Integração via HTTP REST</a:t>
             </a:r>
-            <a:endParaRPr sz="2700"/>
+            <a:endParaRPr sz="1800"/>
           </a:p>
           <a:p>
-            <a:pPr indent="-311150" lvl="0" marL="342900" rtl="0" algn="l">
+            <a:pPr indent="-254000" lvl="0" marL="342900" rtl="0" algn="l">
               <a:spcBef>
                 <a:spcPts val="640"/>
               </a:spcBef>
@@ -12286,11 +12286,11 @@
               <a:buClr>
                 <a:schemeClr val="dk1"/>
               </a:buClr>
-              <a:buSzPts val="2700"/>
+              <a:buSzPts val="1800"/>
               <a:buChar char="●"/>
             </a:pPr>
             <a:r>
-              <a:rPr lang="pt-BR" sz="2700">
+              <a:rPr lang="pt-BR" sz="1800">
                 <a:solidFill>
                   <a:schemeClr val="dk1"/>
                 </a:solidFill>
@@ -12301,10 +12301,10 @@
               </a:rPr>
               <a:t>Uso em e-commerce, marketplaces e sistemas logísticos</a:t>
             </a:r>
-            <a:endParaRPr sz="2700"/>
+            <a:endParaRPr sz="1800"/>
           </a:p>
           <a:p>
-            <a:pPr indent="-311150" lvl="0" marL="342900" rtl="0" algn="l">
+            <a:pPr indent="-254000" lvl="0" marL="342900" rtl="0" algn="l">
               <a:spcBef>
                 <a:spcPts val="640"/>
               </a:spcBef>
@@ -12314,11 +12314,11 @@
               <a:buClr>
                 <a:schemeClr val="dk1"/>
               </a:buClr>
-              <a:buSzPts val="2700"/>
+              <a:buSzPts val="1800"/>
               <a:buChar char="●"/>
             </a:pPr>
             <a:r>
-              <a:rPr lang="pt-BR" sz="2700">
+              <a:rPr lang="pt-BR" sz="1800">
                 <a:solidFill>
                   <a:schemeClr val="dk1"/>
                 </a:solidFill>
@@ -12329,7 +12329,7 @@
               </a:rPr>
               <a:t>Centralização das regras de negócio</a:t>
             </a:r>
-            <a:endParaRPr sz="2700"/>
+            <a:endParaRPr sz="1800"/>
           </a:p>
         </p:txBody>
       </p:sp>
@@ -12422,8 +12422,8 @@
         </p:nvSpPr>
         <p:spPr>
           <a:xfrm>
-            <a:off x="457200" y="1200150"/>
-            <a:ext cx="8229600" cy="3394472"/>
+            <a:off x="457200" y="1305650"/>
+            <a:ext cx="8229600" cy="3288900"/>
           </a:xfrm>
           <a:prstGeom prst="rect">
             <a:avLst/>
@@ -12439,7 +12439,7 @@
           </a:bodyPr>
           <a:lstStyle/>
           <a:p>
-            <a:pPr indent="-304800" lvl="0" marL="342900" rtl="0" algn="l">
+            <a:pPr indent="-254000" lvl="0" marL="342900" rtl="0" algn="l">
               <a:spcBef>
                 <a:spcPts val="0"/>
               </a:spcBef>
@@ -12449,11 +12449,11 @@
               <a:buClr>
                 <a:schemeClr val="dk1"/>
               </a:buClr>
-              <a:buSzPts val="2600"/>
+              <a:buSzPts val="1800"/>
               <a:buChar char="●"/>
             </a:pPr>
             <a:r>
-              <a:rPr lang="pt-BR" sz="2600">
+              <a:rPr lang="pt-BR" sz="1800">
                 <a:solidFill>
                   <a:schemeClr val="dk1"/>
                 </a:solidFill>
@@ -12464,10 +12464,10 @@
               </a:rPr>
               <a:t>Alto potencial de reutilização</a:t>
             </a:r>
-            <a:endParaRPr sz="2600"/>
+            <a:endParaRPr sz="1800"/>
           </a:p>
           <a:p>
-            <a:pPr indent="-304800" lvl="0" marL="342900" rtl="0" algn="l">
+            <a:pPr indent="-254000" lvl="0" marL="342900" rtl="0" algn="l">
               <a:spcBef>
                 <a:spcPts val="640"/>
               </a:spcBef>
@@ -12477,11 +12477,11 @@
               <a:buClr>
                 <a:schemeClr val="dk1"/>
               </a:buClr>
-              <a:buSzPts val="2600"/>
+              <a:buSzPts val="1800"/>
               <a:buChar char="●"/>
             </a:pPr>
             <a:r>
-              <a:rPr lang="pt-BR" sz="2600">
+              <a:rPr lang="pt-BR" sz="1800">
                 <a:solidFill>
                   <a:schemeClr val="dk1"/>
                 </a:solidFill>
@@ -12492,10 +12492,10 @@
               </a:rPr>
               <a:t>Facilidade de manutenção e evolução</a:t>
             </a:r>
-            <a:endParaRPr sz="2600"/>
+            <a:endParaRPr sz="1800"/>
           </a:p>
           <a:p>
-            <a:pPr indent="-304800" lvl="0" marL="342900" rtl="0" algn="l">
+            <a:pPr indent="-254000" lvl="0" marL="342900" rtl="0" algn="l">
               <a:spcBef>
                 <a:spcPts val="640"/>
               </a:spcBef>
@@ -12505,11 +12505,11 @@
               <a:buClr>
                 <a:schemeClr val="dk1"/>
               </a:buClr>
-              <a:buSzPts val="2600"/>
+              <a:buSzPts val="1800"/>
               <a:buChar char="●"/>
             </a:pPr>
             <a:r>
-              <a:rPr lang="pt-BR" sz="2600">
+              <a:rPr lang="pt-BR" sz="1800">
                 <a:solidFill>
                   <a:schemeClr val="dk1"/>
                 </a:solidFill>
@@ -12520,7 +12520,7 @@
               </a:rPr>
               <a:t>Aplicação prática dos conceitos de reuso de software</a:t>
             </a:r>
-            <a:endParaRPr sz="2600"/>
+            <a:endParaRPr sz="1800"/>
           </a:p>
         </p:txBody>
       </p:sp>
@@ -13419,7 +13419,7 @@
             <a:tbl>
               <a:tblPr>
                 <a:noFill/>
-                <a:tableStyleId>{CBEFF26E-4C37-4B37-B654-E1C696DF92D1}</a:tableStyleId>
+                <a:tableStyleId>{62E9DA21-A6E6-407A-B518-5656F22B945E}</a:tableStyleId>
               </a:tblPr>
               <a:tblGrid>
                 <a:gridCol w="3166425"/>
@@ -13559,7 +13559,7 @@
                     <a:bodyPr/>
                     <a:lstStyle/>
                     <a:p>
-                      <a:pPr indent="0" lvl="0" marL="0" rtl="0" algn="r">
+                      <a:pPr indent="0" lvl="0" marL="0" rtl="0" algn="ctr">
                         <a:lnSpc>
                           <a:spcPct val="115000"/>
                         </a:lnSpc>
@@ -13687,7 +13687,7 @@
                     <a:bodyPr/>
                     <a:lstStyle/>
                     <a:p>
-                      <a:pPr indent="0" lvl="0" marL="0" rtl="0" algn="r">
+                      <a:pPr indent="0" lvl="0" marL="0" rtl="0" algn="ctr">
                         <a:lnSpc>
                           <a:spcPct val="115000"/>
                         </a:lnSpc>
@@ -13815,7 +13815,7 @@
                     <a:bodyPr/>
                     <a:lstStyle/>
                     <a:p>
-                      <a:pPr indent="0" lvl="0" marL="0" rtl="0" algn="r">
+                      <a:pPr indent="0" lvl="0" marL="0" rtl="0" algn="ctr">
                         <a:lnSpc>
                           <a:spcPct val="115000"/>
                         </a:lnSpc>
@@ -13943,7 +13943,7 @@
                     <a:bodyPr/>
                     <a:lstStyle/>
                     <a:p>
-                      <a:pPr indent="0" lvl="0" marL="0" rtl="0" algn="r">
+                      <a:pPr indent="0" lvl="0" marL="0" rtl="0" algn="ctr">
                         <a:lnSpc>
                           <a:spcPct val="115000"/>
                         </a:lnSpc>
@@ -14071,7 +14071,7 @@
                     <a:bodyPr/>
                     <a:lstStyle/>
                     <a:p>
-                      <a:pPr indent="0" lvl="0" marL="0" rtl="0" algn="r">
+                      <a:pPr indent="0" lvl="0" marL="0" rtl="0" algn="ctr">
                         <a:lnSpc>
                           <a:spcPct val="115000"/>
                         </a:lnSpc>
@@ -14199,7 +14199,7 @@
                     <a:bodyPr/>
                     <a:lstStyle/>
                     <a:p>
-                      <a:pPr indent="0" lvl="0" marL="0" rtl="0" algn="r">
+                      <a:pPr indent="0" lvl="0" marL="0" rtl="0" algn="ctr">
                         <a:lnSpc>
                           <a:spcPct val="115000"/>
                         </a:lnSpc>
@@ -14327,7 +14327,7 @@
                     <a:bodyPr/>
                     <a:lstStyle/>
                     <a:p>
-                      <a:pPr indent="0" lvl="0" marL="0" rtl="0" algn="r">
+                      <a:pPr indent="0" lvl="0" marL="0" rtl="0" algn="ctr">
                         <a:lnSpc>
                           <a:spcPct val="115000"/>
                         </a:lnSpc>
@@ -14455,7 +14455,7 @@
                     <a:bodyPr/>
                     <a:lstStyle/>
                     <a:p>
-                      <a:pPr indent="0" lvl="0" marL="0" rtl="0" algn="r">
+                      <a:pPr indent="0" lvl="0" marL="0" rtl="0" algn="ctr">
                         <a:lnSpc>
                           <a:spcPct val="115000"/>
                         </a:lnSpc>
@@ -14583,7 +14583,7 @@
                     <a:bodyPr/>
                     <a:lstStyle/>
                     <a:p>
-                      <a:pPr indent="0" lvl="0" marL="0" rtl="0" algn="r">
+                      <a:pPr indent="0" lvl="0" marL="0" rtl="0" algn="ctr">
                         <a:lnSpc>
                           <a:spcPct val="115000"/>
                         </a:lnSpc>
@@ -14711,7 +14711,7 @@
                     <a:bodyPr/>
                     <a:lstStyle/>
                     <a:p>
-                      <a:pPr indent="0" lvl="0" marL="0" rtl="0" algn="r">
+                      <a:pPr indent="0" lvl="0" marL="0" rtl="0" algn="ctr">
                         <a:lnSpc>
                           <a:spcPct val="115000"/>
                         </a:lnSpc>
@@ -14931,7 +14931,7 @@
             <a:tbl>
               <a:tblPr>
                 <a:noFill/>
-                <a:tableStyleId>{CBEFF26E-4C37-4B37-B654-E1C696DF92D1}</a:tableStyleId>
+                <a:tableStyleId>{62E9DA21-A6E6-407A-B518-5656F22B945E}</a:tableStyleId>
               </a:tblPr>
               <a:tblGrid>
                 <a:gridCol w="1497575"/>
@@ -17806,6 +17806,285 @@
 </file>
 
 <file path=ppt/theme/theme1.xml><?xml version="1.0" encoding="utf-8"?>
+<a:theme xmlns:a="http://schemas.openxmlformats.org/drawingml/2006/main" xmlns:r="http://schemas.openxmlformats.org/officeDocument/2006/relationships" name="Paradigm">
+  <a:themeElements>
+    <a:clrScheme name="Paradigm">
+      <a:dk1>
+        <a:srgbClr val="31394D"/>
+      </a:dk1>
+      <a:lt1>
+        <a:srgbClr val="FFFFFF"/>
+      </a:lt1>
+      <a:dk2>
+        <a:srgbClr val="666666"/>
+      </a:dk2>
+      <a:lt2>
+        <a:srgbClr val="626B73"/>
+      </a:lt2>
+      <a:accent1>
+        <a:srgbClr val="002F4A"/>
+      </a:accent1>
+      <a:accent2>
+        <a:srgbClr val="D9C4B1"/>
+      </a:accent2>
+      <a:accent3>
+        <a:srgbClr val="EDE3DA"/>
+      </a:accent3>
+      <a:accent4>
+        <a:srgbClr val="B85741"/>
+      </a:accent4>
+      <a:accent5>
+        <a:srgbClr val="009384"/>
+      </a:accent5>
+      <a:accent6>
+        <a:srgbClr val="D0F6FF"/>
+      </a:accent6>
+      <a:hlink>
+        <a:srgbClr val="009384"/>
+      </a:hlink>
+      <a:folHlink>
+        <a:srgbClr val="009384"/>
+      </a:folHlink>
+    </a:clrScheme>
+    <a:fontScheme name="Office">
+      <a:majorFont>
+        <a:latin typeface="Arial"/>
+        <a:ea typeface=""/>
+        <a:cs typeface=""/>
+        <a:font script="Jpan" typeface="ＭＳ Ｐゴシック"/>
+        <a:font script="Hang" typeface="맑은 고딕"/>
+        <a:font script="Hans" typeface="宋体"/>
+        <a:font script="Hant" typeface="新細明體"/>
+        <a:font script="Arab" typeface="Times New Roman"/>
+        <a:font script="Hebr" typeface="Times New Roman"/>
+        <a:font script="Thai" typeface="Angsana New"/>
+        <a:font script="Ethi" typeface="Nyala"/>
+        <a:font script="Beng" typeface="Vrinda"/>
+        <a:font script="Gujr" typeface="Shruti"/>
+        <a:font script="Khmr" typeface="MoolBoran"/>
+        <a:font script="Knda" typeface="Tunga"/>
+        <a:font script="Guru" typeface="Raavi"/>
+        <a:font script="Cans" typeface="Euphemia"/>
+        <a:font script="Cher" typeface="Plantagenet Cherokee"/>
+        <a:font script="Yiii" typeface="Microsoft Yi Baiti"/>
+        <a:font script="Tibt" typeface="Microsoft Himalaya"/>
+        <a:font script="Thaa" typeface="MV Boli"/>
+        <a:font script="Deva" typeface="Mangal"/>
+        <a:font script="Telu" typeface="Gautami"/>
+        <a:font script="Taml" typeface="Latha"/>
+        <a:font script="Syrc" typeface="Estrangelo Edessa"/>
+        <a:font script="Orya" typeface="Kalinga"/>
+        <a:font script="Mlym" typeface="Kartika"/>
+        <a:font script="Laoo" typeface="DokChampa"/>
+        <a:font script="Sinh" typeface="Iskoola Pota"/>
+        <a:font script="Mong" typeface="Mongolian Baiti"/>
+        <a:font script="Viet" typeface="Times New Roman"/>
+        <a:font script="Uigh" typeface="Microsoft Uighur"/>
+        <a:font script="Geor" typeface="Sylfaen"/>
+      </a:majorFont>
+      <a:minorFont>
+        <a:latin typeface="Arial"/>
+        <a:ea typeface=""/>
+        <a:cs typeface=""/>
+        <a:font script="Jpan" typeface="ＭＳ Ｐゴシック"/>
+        <a:font script="Hang" typeface="맑은 고딕"/>
+        <a:font script="Hans" typeface="宋体"/>
+        <a:font script="Hant" typeface="新細明體"/>
+        <a:font script="Arab" typeface="Arial"/>
+        <a:font script="Hebr" typeface="Arial"/>
+        <a:font script="Thai" typeface="Cordia New"/>
+        <a:font script="Ethi" typeface="Nyala"/>
+        <a:font script="Beng" typeface="Vrinda"/>
+        <a:font script="Gujr" typeface="Shruti"/>
+        <a:font script="Khmr" typeface="DaunPenh"/>
+        <a:font script="Knda" typeface="Tunga"/>
+        <a:font script="Guru" typeface="Raavi"/>
+        <a:font script="Cans" typeface="Euphemia"/>
+        <a:font script="Cher" typeface="Plantagenet Cherokee"/>
+        <a:font script="Yiii" typeface="Microsoft Yi Baiti"/>
+        <a:font script="Tibt" typeface="Microsoft Himalaya"/>
+        <a:font script="Thaa" typeface="MV Boli"/>
+        <a:font script="Deva" typeface="Mangal"/>
+        <a:font script="Telu" typeface="Gautami"/>
+        <a:font script="Taml" typeface="Latha"/>
+        <a:font script="Syrc" typeface="Estrangelo Edessa"/>
+        <a:font script="Orya" typeface="Kalinga"/>
+        <a:font script="Mlym" typeface="Kartika"/>
+        <a:font script="Laoo" typeface="DokChampa"/>
+        <a:font script="Sinh" typeface="Iskoola Pota"/>
+        <a:font script="Mong" typeface="Mongolian Baiti"/>
+        <a:font script="Viet" typeface="Arial"/>
+        <a:font script="Uigh" typeface="Microsoft Uighur"/>
+        <a:font script="Geor" typeface="Sylfaen"/>
+      </a:minorFont>
+    </a:fontScheme>
+    <a:fmtScheme name="Office">
+      <a:fillStyleLst>
+        <a:solidFill>
+          <a:schemeClr val="phClr"/>
+        </a:solidFill>
+        <a:gradFill rotWithShape="1">
+          <a:gsLst>
+            <a:gs pos="0">
+              <a:schemeClr val="phClr">
+                <a:tint val="50000"/>
+                <a:satMod val="300000"/>
+              </a:schemeClr>
+            </a:gs>
+            <a:gs pos="35000">
+              <a:schemeClr val="phClr">
+                <a:tint val="37000"/>
+                <a:satMod val="300000"/>
+              </a:schemeClr>
+            </a:gs>
+            <a:gs pos="100000">
+              <a:schemeClr val="phClr">
+                <a:tint val="15000"/>
+                <a:satMod val="350000"/>
+              </a:schemeClr>
+            </a:gs>
+          </a:gsLst>
+          <a:lin ang="16200000" scaled="1"/>
+        </a:gradFill>
+        <a:gradFill rotWithShape="1">
+          <a:gsLst>
+            <a:gs pos="0">
+              <a:schemeClr val="phClr">
+                <a:tint val="100000"/>
+                <a:shade val="100000"/>
+                <a:satMod val="130000"/>
+              </a:schemeClr>
+            </a:gs>
+            <a:gs pos="100000">
+              <a:schemeClr val="phClr">
+                <a:tint val="50000"/>
+                <a:shade val="100000"/>
+                <a:satMod val="350000"/>
+              </a:schemeClr>
+            </a:gs>
+          </a:gsLst>
+          <a:lin ang="16200000" scaled="0"/>
+        </a:gradFill>
+      </a:fillStyleLst>
+      <a:lnStyleLst>
+        <a:ln w="9525" cap="flat" cmpd="sng" algn="ctr">
+          <a:solidFill>
+            <a:schemeClr val="phClr">
+              <a:shade val="95000"/>
+              <a:satMod val="105000"/>
+            </a:schemeClr>
+          </a:solidFill>
+          <a:prstDash val="solid"/>
+        </a:ln>
+        <a:ln w="25400" cap="flat" cmpd="sng" algn="ctr">
+          <a:solidFill>
+            <a:schemeClr val="phClr"/>
+          </a:solidFill>
+          <a:prstDash val="solid"/>
+        </a:ln>
+        <a:ln w="38100" cap="flat" cmpd="sng" algn="ctr">
+          <a:solidFill>
+            <a:schemeClr val="phClr"/>
+          </a:solidFill>
+          <a:prstDash val="solid"/>
+        </a:ln>
+      </a:lnStyleLst>
+      <a:effectStyleLst>
+        <a:effectStyle>
+          <a:effectLst>
+            <a:outerShdw blurRad="40000" dist="20000" dir="5400000" rotWithShape="0">
+              <a:srgbClr val="000000">
+                <a:alpha val="38000"/>
+              </a:srgbClr>
+            </a:outerShdw>
+          </a:effectLst>
+        </a:effectStyle>
+        <a:effectStyle>
+          <a:effectLst>
+            <a:outerShdw blurRad="40000" dist="23000" dir="5400000" rotWithShape="0">
+              <a:srgbClr val="000000">
+                <a:alpha val="35000"/>
+              </a:srgbClr>
+            </a:outerShdw>
+          </a:effectLst>
+        </a:effectStyle>
+        <a:effectStyle>
+          <a:effectLst>
+            <a:outerShdw blurRad="40000" dist="23000" dir="5400000" rotWithShape="0">
+              <a:srgbClr val="000000">
+                <a:alpha val="35000"/>
+              </a:srgbClr>
+            </a:outerShdw>
+          </a:effectLst>
+          <a:scene3d>
+            <a:camera prst="orthographicFront">
+              <a:rot lat="0" lon="0" rev="0"/>
+            </a:camera>
+            <a:lightRig rig="threePt" dir="t">
+              <a:rot lat="0" lon="0" rev="1200000"/>
+            </a:lightRig>
+          </a:scene3d>
+          <a:sp3d>
+            <a:bevelT w="63500" h="25400"/>
+          </a:sp3d>
+        </a:effectStyle>
+      </a:effectStyleLst>
+      <a:bgFillStyleLst>
+        <a:solidFill>
+          <a:schemeClr val="phClr"/>
+        </a:solidFill>
+        <a:gradFill rotWithShape="1">
+          <a:gsLst>
+            <a:gs pos="0">
+              <a:schemeClr val="phClr">
+                <a:tint val="40000"/>
+                <a:satMod val="350000"/>
+              </a:schemeClr>
+            </a:gs>
+            <a:gs pos="40000">
+              <a:schemeClr val="phClr">
+                <a:tint val="45000"/>
+                <a:shade val="99000"/>
+                <a:satMod val="350000"/>
+              </a:schemeClr>
+            </a:gs>
+            <a:gs pos="100000">
+              <a:schemeClr val="phClr">
+                <a:shade val="20000"/>
+                <a:satMod val="255000"/>
+              </a:schemeClr>
+            </a:gs>
+          </a:gsLst>
+          <a:path path="circle">
+            <a:fillToRect l="50000" t="-80000" r="50000" b="180000"/>
+          </a:path>
+        </a:gradFill>
+        <a:gradFill rotWithShape="1">
+          <a:gsLst>
+            <a:gs pos="0">
+              <a:schemeClr val="phClr">
+                <a:tint val="80000"/>
+                <a:satMod val="300000"/>
+              </a:schemeClr>
+            </a:gs>
+            <a:gs pos="100000">
+              <a:schemeClr val="phClr">
+                <a:shade val="30000"/>
+                <a:satMod val="200000"/>
+              </a:schemeClr>
+            </a:gs>
+          </a:gsLst>
+          <a:path path="circle">
+            <a:fillToRect l="50000" t="50000" r="50000" b="50000"/>
+          </a:path>
+        </a:gradFill>
+      </a:bgFillStyleLst>
+    </a:fmtScheme>
+  </a:themeElements>
+</a:theme>
+</file>
+
+<file path=ppt/theme/theme2.xml><?xml version="1.0" encoding="utf-8"?>
 <a:theme xmlns:a="http://schemas.openxmlformats.org/drawingml/2006/main" xmlns:r="http://schemas.openxmlformats.org/officeDocument/2006/relationships">
   <a:themeElements>
     <a:clrScheme name="Default">
@@ -18082,283 +18361,4 @@
     </a:fmtScheme>
   </a:themeElements>
 </a:theme>
-</file>
-
-<file path=ppt/theme/theme2.xml><?xml version="1.0" encoding="utf-8"?>
-<a:theme xmlns:a="http://schemas.openxmlformats.org/drawingml/2006/main" xmlns:r="http://schemas.openxmlformats.org/officeDocument/2006/relationships" name="Paradigm">
-  <a:themeElements>
-    <a:clrScheme name="Paradigm">
-      <a:dk1>
-        <a:srgbClr val="31394D"/>
-      </a:dk1>
-      <a:lt1>
-        <a:srgbClr val="FFFFFF"/>
-      </a:lt1>
-      <a:dk2>
-        <a:srgbClr val="666666"/>
-      </a:dk2>
-      <a:lt2>
-        <a:srgbClr val="626B73"/>
-      </a:lt2>
-      <a:accent1>
-        <a:srgbClr val="002F4A"/>
-      </a:accent1>
-      <a:accent2>
-        <a:srgbClr val="D9C4B1"/>
-      </a:accent2>
-      <a:accent3>
-        <a:srgbClr val="EDE3DA"/>
-      </a:accent3>
-      <a:accent4>
-        <a:srgbClr val="B85741"/>
-      </a:accent4>
-      <a:accent5>
-        <a:srgbClr val="009384"/>
-      </a:accent5>
-      <a:accent6>
-        <a:srgbClr val="D0F6FF"/>
-      </a:accent6>
-      <a:hlink>
-        <a:srgbClr val="009384"/>
-      </a:hlink>
-      <a:folHlink>
-        <a:srgbClr val="009384"/>
-      </a:folHlink>
-    </a:clrScheme>
-    <a:fontScheme name="Office">
-      <a:majorFont>
-        <a:latin typeface="Arial"/>
-        <a:ea typeface=""/>
-        <a:cs typeface=""/>
-        <a:font script="Jpan" typeface="ＭＳ Ｐゴシック"/>
-        <a:font script="Hang" typeface="맑은 고딕"/>
-        <a:font script="Hans" typeface="宋体"/>
-        <a:font script="Hant" typeface="新細明體"/>
-        <a:font script="Arab" typeface="Times New Roman"/>
-        <a:font script="Hebr" typeface="Times New Roman"/>
-        <a:font script="Thai" typeface="Angsana New"/>
-        <a:font script="Ethi" typeface="Nyala"/>
-        <a:font script="Beng" typeface="Vrinda"/>
-        <a:font script="Gujr" typeface="Shruti"/>
-        <a:font script="Khmr" typeface="MoolBoran"/>
-        <a:font script="Knda" typeface="Tunga"/>
-        <a:font script="Guru" typeface="Raavi"/>
-        <a:font script="Cans" typeface="Euphemia"/>
-        <a:font script="Cher" typeface="Plantagenet Cherokee"/>
-        <a:font script="Yiii" typeface="Microsoft Yi Baiti"/>
-        <a:font script="Tibt" typeface="Microsoft Himalaya"/>
-        <a:font script="Thaa" typeface="MV Boli"/>
-        <a:font script="Deva" typeface="Mangal"/>
-        <a:font script="Telu" typeface="Gautami"/>
-        <a:font script="Taml" typeface="Latha"/>
-        <a:font script="Syrc" typeface="Estrangelo Edessa"/>
-        <a:font script="Orya" typeface="Kalinga"/>
-        <a:font script="Mlym" typeface="Kartika"/>
-        <a:font script="Laoo" typeface="DokChampa"/>
-        <a:font script="Sinh" typeface="Iskoola Pota"/>
-        <a:font script="Mong" typeface="Mongolian Baiti"/>
-        <a:font script="Viet" typeface="Times New Roman"/>
-        <a:font script="Uigh" typeface="Microsoft Uighur"/>
-        <a:font script="Geor" typeface="Sylfaen"/>
-      </a:majorFont>
-      <a:minorFont>
-        <a:latin typeface="Arial"/>
-        <a:ea typeface=""/>
-        <a:cs typeface=""/>
-        <a:font script="Jpan" typeface="ＭＳ Ｐゴシック"/>
-        <a:font script="Hang" typeface="맑은 고딕"/>
-        <a:font script="Hans" typeface="宋体"/>
-        <a:font script="Hant" typeface="新細明體"/>
-        <a:font script="Arab" typeface="Arial"/>
-        <a:font script="Hebr" typeface="Arial"/>
-        <a:font script="Thai" typeface="Cordia New"/>
-        <a:font script="Ethi" typeface="Nyala"/>
-        <a:font script="Beng" typeface="Vrinda"/>
-        <a:font script="Gujr" typeface="Shruti"/>
-        <a:font script="Khmr" typeface="DaunPenh"/>
-        <a:font script="Knda" typeface="Tunga"/>
-        <a:font script="Guru" typeface="Raavi"/>
-        <a:font script="Cans" typeface="Euphemia"/>
-        <a:font script="Cher" typeface="Plantagenet Cherokee"/>
-        <a:font script="Yiii" typeface="Microsoft Yi Baiti"/>
-        <a:font script="Tibt" typeface="Microsoft Himalaya"/>
-        <a:font script="Thaa" typeface="MV Boli"/>
-        <a:font script="Deva" typeface="Mangal"/>
-        <a:font script="Telu" typeface="Gautami"/>
-        <a:font script="Taml" typeface="Latha"/>
-        <a:font script="Syrc" typeface="Estrangelo Edessa"/>
-        <a:font script="Orya" typeface="Kalinga"/>
-        <a:font script="Mlym" typeface="Kartika"/>
-        <a:font script="Laoo" typeface="DokChampa"/>
-        <a:font script="Sinh" typeface="Iskoola Pota"/>
-        <a:font script="Mong" typeface="Mongolian Baiti"/>
-        <a:font script="Viet" typeface="Arial"/>
-        <a:font script="Uigh" typeface="Microsoft Uighur"/>
-        <a:font script="Geor" typeface="Sylfaen"/>
-      </a:minorFont>
-    </a:fontScheme>
-    <a:fmtScheme name="Office">
-      <a:fillStyleLst>
-        <a:solidFill>
-          <a:schemeClr val="phClr"/>
-        </a:solidFill>
-        <a:gradFill rotWithShape="1">
-          <a:gsLst>
-            <a:gs pos="0">
-              <a:schemeClr val="phClr">
-                <a:tint val="50000"/>
-                <a:satMod val="300000"/>
-              </a:schemeClr>
-            </a:gs>
-            <a:gs pos="35000">
-              <a:schemeClr val="phClr">
-                <a:tint val="37000"/>
-                <a:satMod val="300000"/>
-              </a:schemeClr>
-            </a:gs>
-            <a:gs pos="100000">
-              <a:schemeClr val="phClr">
-                <a:tint val="15000"/>
-                <a:satMod val="350000"/>
-              </a:schemeClr>
-            </a:gs>
-          </a:gsLst>
-          <a:lin ang="16200000" scaled="1"/>
-        </a:gradFill>
-        <a:gradFill rotWithShape="1">
-          <a:gsLst>
-            <a:gs pos="0">
-              <a:schemeClr val="phClr">
-                <a:tint val="100000"/>
-                <a:shade val="100000"/>
-                <a:satMod val="130000"/>
-              </a:schemeClr>
-            </a:gs>
-            <a:gs pos="100000">
-              <a:schemeClr val="phClr">
-                <a:tint val="50000"/>
-                <a:shade val="100000"/>
-                <a:satMod val="350000"/>
-              </a:schemeClr>
-            </a:gs>
-          </a:gsLst>
-          <a:lin ang="16200000" scaled="0"/>
-        </a:gradFill>
-      </a:fillStyleLst>
-      <a:lnStyleLst>
-        <a:ln w="9525" cap="flat" cmpd="sng" algn="ctr">
-          <a:solidFill>
-            <a:schemeClr val="phClr">
-              <a:shade val="95000"/>
-              <a:satMod val="105000"/>
-            </a:schemeClr>
-          </a:solidFill>
-          <a:prstDash val="solid"/>
-        </a:ln>
-        <a:ln w="25400" cap="flat" cmpd="sng" algn="ctr">
-          <a:solidFill>
-            <a:schemeClr val="phClr"/>
-          </a:solidFill>
-          <a:prstDash val="solid"/>
-        </a:ln>
-        <a:ln w="38100" cap="flat" cmpd="sng" algn="ctr">
-          <a:solidFill>
-            <a:schemeClr val="phClr"/>
-          </a:solidFill>
-          <a:prstDash val="solid"/>
-        </a:ln>
-      </a:lnStyleLst>
-      <a:effectStyleLst>
-        <a:effectStyle>
-          <a:effectLst>
-            <a:outerShdw blurRad="40000" dist="20000" dir="5400000" rotWithShape="0">
-              <a:srgbClr val="000000">
-                <a:alpha val="38000"/>
-              </a:srgbClr>
-            </a:outerShdw>
-          </a:effectLst>
-        </a:effectStyle>
-        <a:effectStyle>
-          <a:effectLst>
-            <a:outerShdw blurRad="40000" dist="23000" dir="5400000" rotWithShape="0">
-              <a:srgbClr val="000000">
-                <a:alpha val="35000"/>
-              </a:srgbClr>
-            </a:outerShdw>
-          </a:effectLst>
-        </a:effectStyle>
-        <a:effectStyle>
-          <a:effectLst>
-            <a:outerShdw blurRad="40000" dist="23000" dir="5400000" rotWithShape="0">
-              <a:srgbClr val="000000">
-                <a:alpha val="35000"/>
-              </a:srgbClr>
-            </a:outerShdw>
-          </a:effectLst>
-          <a:scene3d>
-            <a:camera prst="orthographicFront">
-              <a:rot lat="0" lon="0" rev="0"/>
-            </a:camera>
-            <a:lightRig rig="threePt" dir="t">
-              <a:rot lat="0" lon="0" rev="1200000"/>
-            </a:lightRig>
-          </a:scene3d>
-          <a:sp3d>
-            <a:bevelT w="63500" h="25400"/>
-          </a:sp3d>
-        </a:effectStyle>
-      </a:effectStyleLst>
-      <a:bgFillStyleLst>
-        <a:solidFill>
-          <a:schemeClr val="phClr"/>
-        </a:solidFill>
-        <a:gradFill rotWithShape="1">
-          <a:gsLst>
-            <a:gs pos="0">
-              <a:schemeClr val="phClr">
-                <a:tint val="40000"/>
-                <a:satMod val="350000"/>
-              </a:schemeClr>
-            </a:gs>
-            <a:gs pos="40000">
-              <a:schemeClr val="phClr">
-                <a:tint val="45000"/>
-                <a:shade val="99000"/>
-                <a:satMod val="350000"/>
-              </a:schemeClr>
-            </a:gs>
-            <a:gs pos="100000">
-              <a:schemeClr val="phClr">
-                <a:shade val="20000"/>
-                <a:satMod val="255000"/>
-              </a:schemeClr>
-            </a:gs>
-          </a:gsLst>
-          <a:path path="circle">
-            <a:fillToRect l="50000" t="-80000" r="50000" b="180000"/>
-          </a:path>
-        </a:gradFill>
-        <a:gradFill rotWithShape="1">
-          <a:gsLst>
-            <a:gs pos="0">
-              <a:schemeClr val="phClr">
-                <a:tint val="80000"/>
-                <a:satMod val="300000"/>
-              </a:schemeClr>
-            </a:gs>
-            <a:gs pos="100000">
-              <a:schemeClr val="phClr">
-                <a:shade val="30000"/>
-                <a:satMod val="200000"/>
-              </a:schemeClr>
-            </a:gs>
-          </a:gsLst>
-          <a:path path="circle">
-            <a:fillToRect l="50000" t="50000" r="50000" b="50000"/>
-          </a:path>
-        </a:gradFill>
-      </a:bgFillStyleLst>
-    </a:fmtScheme>
-  </a:themeElements>
-</a:theme>
 </file>